--- a/Slides/PH223_Lecture_33.pptx
+++ b/Slides/PH223_Lecture_33.pptx
@@ -158,7 +158,7 @@
   <pc:docChgLst>
     <pc:chgData name="Lines, Todd" userId="afaf7c3a-e8aa-4568-882a-02ad8f9e19b0" providerId="ADAL" clId="{18C51731-65D7-4D63-A13A-C35379499D4F}"/>
     <pc:docChg chg="undo custSel addSld delSld modSld sldOrd">
-      <pc:chgData name="Lines, Todd" userId="afaf7c3a-e8aa-4568-882a-02ad8f9e19b0" providerId="ADAL" clId="{18C51731-65D7-4D63-A13A-C35379499D4F}" dt="2023-11-05T00:16:00.764" v="1447" actId="14100"/>
+      <pc:chgData name="Lines, Todd" userId="afaf7c3a-e8aa-4568-882a-02ad8f9e19b0" providerId="ADAL" clId="{18C51731-65D7-4D63-A13A-C35379499D4F}" dt="2023-11-06T17:13:03.033" v="1452" actId="20577"/>
       <pc:docMkLst>
         <pc:docMk/>
       </pc:docMkLst>
@@ -393,12 +393,20 @@
           </ac:graphicFrameMkLst>
         </pc:graphicFrameChg>
       </pc:sldChg>
-      <pc:sldChg chg="add">
-        <pc:chgData name="Lines, Todd" userId="afaf7c3a-e8aa-4568-882a-02ad8f9e19b0" providerId="ADAL" clId="{18C51731-65D7-4D63-A13A-C35379499D4F}" dt="2023-11-04T20:25:50.598" v="1"/>
+      <pc:sldChg chg="modSp add mod">
+        <pc:chgData name="Lines, Todd" userId="afaf7c3a-e8aa-4568-882a-02ad8f9e19b0" providerId="ADAL" clId="{18C51731-65D7-4D63-A13A-C35379499D4F}" dt="2023-11-06T17:13:03.033" v="1452" actId="20577"/>
         <pc:sldMkLst>
           <pc:docMk/>
           <pc:sldMk cId="0" sldId="1316"/>
         </pc:sldMkLst>
+        <pc:spChg chg="mod">
+          <ac:chgData name="Lines, Todd" userId="afaf7c3a-e8aa-4568-882a-02ad8f9e19b0" providerId="ADAL" clId="{18C51731-65D7-4D63-A13A-C35379499D4F}" dt="2023-11-06T17:13:03.033" v="1452" actId="20577"/>
+          <ac:spMkLst>
+            <pc:docMk/>
+            <pc:sldMk cId="0" sldId="1316"/>
+            <ac:spMk id="3" creationId="{00000000-0000-0000-0000-000000000000}"/>
+          </ac:spMkLst>
+        </pc:spChg>
       </pc:sldChg>
       <pc:sldChg chg="modSp add mod">
         <pc:chgData name="Lines, Todd" userId="afaf7c3a-e8aa-4568-882a-02ad8f9e19b0" providerId="ADAL" clId="{18C51731-65D7-4D63-A13A-C35379499D4F}" dt="2023-11-04T22:34:48.936" v="71" actId="20577"/>
@@ -2644,7 +2652,7 @@
             <a:fld id="{FF63C9FC-D98D-450F-8666-DAE5A2C35D6D}" type="datetimeFigureOut">
               <a:rPr lang="en-US" smtClean="0"/>
               <a:pPr/>
-              <a:t>11/4/2023</a:t>
+              <a:t>11/6/2023</a:t>
             </a:fld>
             <a:endParaRPr lang="en-US"/>
           </a:p>
@@ -2809,7 +2817,7 @@
             <a:fld id="{FF63C9FC-D98D-450F-8666-DAE5A2C35D6D}" type="datetimeFigureOut">
               <a:rPr lang="en-US" smtClean="0"/>
               <a:pPr/>
-              <a:t>11/4/2023</a:t>
+              <a:t>11/6/2023</a:t>
             </a:fld>
             <a:endParaRPr lang="en-US"/>
           </a:p>
@@ -2984,7 +2992,7 @@
             <a:fld id="{FF63C9FC-D98D-450F-8666-DAE5A2C35D6D}" type="datetimeFigureOut">
               <a:rPr lang="en-US" smtClean="0"/>
               <a:pPr/>
-              <a:t>11/4/2023</a:t>
+              <a:t>11/6/2023</a:t>
             </a:fld>
             <a:endParaRPr lang="en-US"/>
           </a:p>
@@ -3149,7 +3157,7 @@
             <a:fld id="{FF63C9FC-D98D-450F-8666-DAE5A2C35D6D}" type="datetimeFigureOut">
               <a:rPr lang="en-US" smtClean="0"/>
               <a:pPr/>
-              <a:t>11/4/2023</a:t>
+              <a:t>11/6/2023</a:t>
             </a:fld>
             <a:endParaRPr lang="en-US"/>
           </a:p>
@@ -3391,7 +3399,7 @@
             <a:fld id="{FF63C9FC-D98D-450F-8666-DAE5A2C35D6D}" type="datetimeFigureOut">
               <a:rPr lang="en-US" smtClean="0"/>
               <a:pPr/>
-              <a:t>11/4/2023</a:t>
+              <a:t>11/6/2023</a:t>
             </a:fld>
             <a:endParaRPr lang="en-US"/>
           </a:p>
@@ -3673,7 +3681,7 @@
             <a:fld id="{FF63C9FC-D98D-450F-8666-DAE5A2C35D6D}" type="datetimeFigureOut">
               <a:rPr lang="en-US" smtClean="0"/>
               <a:pPr/>
-              <a:t>11/4/2023</a:t>
+              <a:t>11/6/2023</a:t>
             </a:fld>
             <a:endParaRPr lang="en-US"/>
           </a:p>
@@ -4089,7 +4097,7 @@
             <a:fld id="{FF63C9FC-D98D-450F-8666-DAE5A2C35D6D}" type="datetimeFigureOut">
               <a:rPr lang="en-US" smtClean="0"/>
               <a:pPr/>
-              <a:t>11/4/2023</a:t>
+              <a:t>11/6/2023</a:t>
             </a:fld>
             <a:endParaRPr lang="en-US"/>
           </a:p>
@@ -4203,7 +4211,7 @@
             <a:fld id="{FF63C9FC-D98D-450F-8666-DAE5A2C35D6D}" type="datetimeFigureOut">
               <a:rPr lang="en-US" smtClean="0"/>
               <a:pPr/>
-              <a:t>11/4/2023</a:t>
+              <a:t>11/6/2023</a:t>
             </a:fld>
             <a:endParaRPr lang="en-US"/>
           </a:p>
@@ -4295,7 +4303,7 @@
             <a:fld id="{FF63C9FC-D98D-450F-8666-DAE5A2C35D6D}" type="datetimeFigureOut">
               <a:rPr lang="en-US" smtClean="0"/>
               <a:pPr/>
-              <a:t>11/4/2023</a:t>
+              <a:t>11/6/2023</a:t>
             </a:fld>
             <a:endParaRPr lang="en-US"/>
           </a:p>
@@ -4567,7 +4575,7 @@
             <a:fld id="{FF63C9FC-D98D-450F-8666-DAE5A2C35D6D}" type="datetimeFigureOut">
               <a:rPr lang="en-US" smtClean="0"/>
               <a:pPr/>
-              <a:t>11/4/2023</a:t>
+              <a:t>11/6/2023</a:t>
             </a:fld>
             <a:endParaRPr lang="en-US"/>
           </a:p>
@@ -4816,7 +4824,7 @@
             <a:fld id="{FF63C9FC-D98D-450F-8666-DAE5A2C35D6D}" type="datetimeFigureOut">
               <a:rPr lang="en-US" smtClean="0"/>
               <a:pPr/>
-              <a:t>11/4/2023</a:t>
+              <a:t>11/6/2023</a:t>
             </a:fld>
             <a:endParaRPr lang="en-US"/>
           </a:p>
@@ -5024,7 +5032,7 @@
             <a:fld id="{FF63C9FC-D98D-450F-8666-DAE5A2C35D6D}" type="datetimeFigureOut">
               <a:rPr lang="en-US" smtClean="0"/>
               <a:pPr/>
-              <a:t>11/4/2023</a:t>
+              <a:t>11/6/2023</a:t>
             </a:fld>
             <a:endParaRPr lang="en-US"/>
           </a:p>
@@ -5417,8 +5425,8 @@
           </a:p>
         </p:txBody>
       </p:sp>
-      <mc:AlternateContent xmlns:mc="http://schemas.openxmlformats.org/markup-compatibility/2006">
-        <mc:Choice xmlns:a14="http://schemas.microsoft.com/office/drawing/2010/main" Requires="a14">
+      <mc:AlternateContent xmlns:mc="http://schemas.openxmlformats.org/markup-compatibility/2006" xmlns:a14="http://schemas.microsoft.com/office/drawing/2010/main">
+        <mc:Choice Requires="a14">
           <p:sp>
             <p:nvSpPr>
               <p:cNvPr id="3" name="Content Placeholder 2"/>
@@ -5901,7 +5909,7 @@
             </p:txBody>
           </p:sp>
         </mc:Choice>
-        <mc:Fallback>
+        <mc:Fallback xmlns="">
           <p:sp>
             <p:nvSpPr>
               <p:cNvPr id="3" name="Content Placeholder 2"/>
@@ -7844,8 +7852,8 @@
           </a:p>
         </p:txBody>
       </p:sp>
-      <mc:AlternateContent xmlns:mc="http://schemas.openxmlformats.org/markup-compatibility/2006">
-        <mc:Choice xmlns:a14="http://schemas.microsoft.com/office/drawing/2010/main" Requires="a14">
+      <mc:AlternateContent xmlns:mc="http://schemas.openxmlformats.org/markup-compatibility/2006" xmlns:a14="http://schemas.microsoft.com/office/drawing/2010/main">
+        <mc:Choice Requires="a14">
           <p:sp>
             <p:nvSpPr>
               <p:cNvPr id="3" name="Content Placeholder 2">
@@ -8164,7 +8172,7 @@
             </p:txBody>
           </p:sp>
         </mc:Choice>
-        <mc:Fallback>
+        <mc:Fallback xmlns="">
           <p:sp>
             <p:nvSpPr>
               <p:cNvPr id="3" name="Content Placeholder 2">
@@ -16267,8 +16275,8 @@
           </a:p>
         </p:txBody>
       </p:sp>
-      <mc:AlternateContent xmlns:mc="http://schemas.openxmlformats.org/markup-compatibility/2006">
-        <mc:Choice xmlns:a14="http://schemas.microsoft.com/office/drawing/2010/main" Requires="a14">
+      <mc:AlternateContent xmlns:mc="http://schemas.openxmlformats.org/markup-compatibility/2006" xmlns:a14="http://schemas.microsoft.com/office/drawing/2010/main">
+        <mc:Choice Requires="a14">
           <p:sp>
             <p:nvSpPr>
               <p:cNvPr id="3" name="Content Placeholder 2"/>
@@ -16317,14 +16325,7 @@
                         <a:latin typeface="Cambria Math" panose="02040503050406030204" pitchFamily="18" charset="0"/>
                         <a:ea typeface="Cambria Math" panose="02040503050406030204" pitchFamily="18" charset="0"/>
                       </a:rPr>
-                      <m:t>=</m:t>
-                    </m:r>
-                    <m:r>
-                      <a:rPr lang="en-US" b="0" i="1" smtClean="0">
-                        <a:latin typeface="Cambria Math" panose="02040503050406030204" pitchFamily="18" charset="0"/>
-                        <a:ea typeface="Cambria Math" panose="02040503050406030204" pitchFamily="18" charset="0"/>
-                      </a:rPr>
-                      <m:t>−</m:t>
+                      <m:t>=−</m:t>
                     </m:r>
                     <m:f>
                       <m:fPr>
@@ -16720,7 +16721,7 @@
             </p:txBody>
           </p:sp>
         </mc:Choice>
-        <mc:Fallback>
+        <mc:Fallback xmlns="">
           <p:sp>
             <p:nvSpPr>
               <p:cNvPr id="3" name="Content Placeholder 2"/>
@@ -18507,8 +18508,8 @@
           </a:p>
         </p:txBody>
       </p:sp>
-      <mc:AlternateContent xmlns:mc="http://schemas.openxmlformats.org/markup-compatibility/2006">
-        <mc:Choice xmlns:a14="http://schemas.microsoft.com/office/drawing/2010/main" Requires="a14">
+      <mc:AlternateContent xmlns:mc="http://schemas.openxmlformats.org/markup-compatibility/2006" xmlns:a14="http://schemas.microsoft.com/office/drawing/2010/main">
+        <mc:Choice Requires="a14">
           <p:sp>
             <p:nvSpPr>
               <p:cNvPr id="3" name="TextBox 2">
@@ -18872,7 +18873,7 @@
             </p:txBody>
           </p:sp>
         </mc:Choice>
-        <mc:Fallback>
+        <mc:Fallback xmlns="">
           <p:sp>
             <p:nvSpPr>
               <p:cNvPr id="3" name="TextBox 2">
@@ -18947,8 +18948,8 @@
           <a:chExt cx="0" cy="0"/>
         </a:xfrm>
       </p:grpSpPr>
-      <mc:AlternateContent xmlns:mc="http://schemas.openxmlformats.org/markup-compatibility/2006">
-        <mc:Choice xmlns:a14="http://schemas.microsoft.com/office/drawing/2010/main" Requires="a14">
+      <mc:AlternateContent xmlns:mc="http://schemas.openxmlformats.org/markup-compatibility/2006" xmlns:a14="http://schemas.microsoft.com/office/drawing/2010/main">
+        <mc:Choice Requires="a14">
           <p:sp>
             <p:nvSpPr>
               <p:cNvPr id="5" name="TextBox 4">
@@ -19438,7 +19439,7 @@
             </p:txBody>
           </p:sp>
         </mc:Choice>
-        <mc:Fallback>
+        <mc:Fallback xmlns="">
           <p:sp>
             <p:nvSpPr>
               <p:cNvPr id="5" name="TextBox 4">
@@ -19716,8 +19717,8 @@
           </a:prstGeom>
         </p:spPr>
       </p:pic>
-      <mc:AlternateContent xmlns:mc="http://schemas.openxmlformats.org/markup-compatibility/2006">
-        <mc:Choice xmlns:a14="http://schemas.microsoft.com/office/drawing/2010/main" Requires="a14">
+      <mc:AlternateContent xmlns:mc="http://schemas.openxmlformats.org/markup-compatibility/2006" xmlns:a14="http://schemas.microsoft.com/office/drawing/2010/main">
+        <mc:Choice Requires="a14">
           <p:sp>
             <p:nvSpPr>
               <p:cNvPr id="9" name="TextBox 8">
@@ -20045,7 +20046,7 @@
             </p:txBody>
           </p:sp>
         </mc:Choice>
-        <mc:Fallback>
+        <mc:Fallback xmlns="">
           <p:sp>
             <p:nvSpPr>
               <p:cNvPr id="9" name="TextBox 8">
@@ -20353,8 +20354,8 @@
           </a:p>
         </p:txBody>
       </p:sp>
-      <mc:AlternateContent xmlns:mc="http://schemas.openxmlformats.org/markup-compatibility/2006">
-        <mc:Choice xmlns:a14="http://schemas.microsoft.com/office/drawing/2010/main" Requires="a14">
+      <mc:AlternateContent xmlns:mc="http://schemas.openxmlformats.org/markup-compatibility/2006" xmlns:a14="http://schemas.microsoft.com/office/drawing/2010/main">
+        <mc:Choice Requires="a14">
           <p:sp>
             <p:nvSpPr>
               <p:cNvPr id="9" name="TextBox 8">
@@ -20899,7 +20900,7 @@
             </p:txBody>
           </p:sp>
         </mc:Choice>
-        <mc:Fallback>
+        <mc:Fallback xmlns="">
           <p:sp>
             <p:nvSpPr>
               <p:cNvPr id="9" name="TextBox 8">
@@ -21155,8 +21156,8 @@
           </a:p>
         </p:txBody>
       </p:sp>
-      <mc:AlternateContent xmlns:mc="http://schemas.openxmlformats.org/markup-compatibility/2006">
-        <mc:Choice xmlns:a14="http://schemas.microsoft.com/office/drawing/2010/main" Requires="a14">
+      <mc:AlternateContent xmlns:mc="http://schemas.openxmlformats.org/markup-compatibility/2006" xmlns:a14="http://schemas.microsoft.com/office/drawing/2010/main">
+        <mc:Choice Requires="a14">
           <p:sp>
             <p:nvSpPr>
               <p:cNvPr id="9" name="TextBox 8">
@@ -21421,7 +21422,7 @@
             </p:txBody>
           </p:sp>
         </mc:Choice>
-        <mc:Fallback>
+        <mc:Fallback xmlns="">
           <p:sp>
             <p:nvSpPr>
               <p:cNvPr id="9" name="TextBox 8">
@@ -21914,8 +21915,8 @@
           </a:p>
         </p:txBody>
       </p:sp>
-      <mc:AlternateContent xmlns:mc="http://schemas.openxmlformats.org/markup-compatibility/2006">
-        <mc:Choice xmlns:a14="http://schemas.microsoft.com/office/drawing/2010/main" Requires="a14">
+      <mc:AlternateContent xmlns:mc="http://schemas.openxmlformats.org/markup-compatibility/2006" xmlns:a14="http://schemas.microsoft.com/office/drawing/2010/main">
+        <mc:Choice Requires="a14">
           <p:sp>
             <p:nvSpPr>
               <p:cNvPr id="5" name="Object 1">
@@ -22201,7 +22202,7 @@
             </p:txBody>
           </p:sp>
         </mc:Choice>
-        <mc:Fallback>
+        <mc:Fallback xmlns="">
           <p:sp>
             <p:nvSpPr>
               <p:cNvPr id="5" name="Object 1">
@@ -22368,7 +22369,7 @@
             </a:r>
             <a:r>
               <a:rPr lang="en-US" dirty="0"/>
-              <a:t> in that direction.</a:t>
+              <a:t> is in that direction.</a:t>
             </a:r>
           </a:p>
           <a:p>

--- a/Slides/PH223_Lecture_33.pptx
+++ b/Slides/PH223_Lecture_33.pptx
@@ -27,10 +27,11 @@
     <p:sldId id="272" r:id="rId21"/>
     <p:sldId id="1446" r:id="rId22"/>
     <p:sldId id="1445" r:id="rId23"/>
-    <p:sldId id="273" r:id="rId24"/>
+    <p:sldId id="1447" r:id="rId24"/>
+    <p:sldId id="273" r:id="rId25"/>
   </p:sldIdLst>
   <p:sldSz cx="9144000" cy="6858000" type="screen4x3"/>
-  <p:notesSz cx="6858000" cy="9144000"/>
+  <p:notesSz cx="6985000" cy="9283700"/>
   <p:defaultTextStyle>
     <a:defPPr>
       <a:defRPr lang="en-US"/>
@@ -148,13 +149,116 @@
 <file path=ppt/revisionInfo.xml><?xml version="1.0" encoding="utf-8"?>
 <p1510:revInfo xmlns:a="http://schemas.openxmlformats.org/drawingml/2006/main" xmlns:r="http://schemas.openxmlformats.org/officeDocument/2006/relationships" xmlns:p1510="http://schemas.microsoft.com/office/powerpoint/2015/10/main">
   <p1510:revLst>
-    <p1510:client id="{18C51731-65D7-4D63-A13A-C35379499D4F}" v="400" dt="2023-11-05T00:16:00.764"/>
+    <p1510:client id="{8C0966D9-4501-4321-948E-6C0235247E46}" v="12" dt="2024-03-07T22:51:02.846"/>
   </p1510:revLst>
 </p1510:revInfo>
 </file>
 
 <file path=ppt/changesInfos/changesInfo1.xml><?xml version="1.0" encoding="utf-8"?>
 <pc:chgInfo xmlns:a="http://schemas.openxmlformats.org/drawingml/2006/main" xmlns:r="http://schemas.openxmlformats.org/officeDocument/2006/relationships" xmlns:ac="http://schemas.microsoft.com/office/drawing/2013/main/command" xmlns:pc="http://schemas.microsoft.com/office/powerpoint/2013/main/command">
+  <pc:docChgLst>
+    <pc:chgData name="Lines, Todd" userId="afaf7c3a-e8aa-4568-882a-02ad8f9e19b0" providerId="ADAL" clId="{8C0966D9-4501-4321-948E-6C0235247E46}"/>
+    <pc:docChg chg="addSld modSld">
+      <pc:chgData name="Lines, Todd" userId="afaf7c3a-e8aa-4568-882a-02ad8f9e19b0" providerId="ADAL" clId="{8C0966D9-4501-4321-948E-6C0235247E46}" dt="2024-03-07T22:52:17.082" v="41" actId="166"/>
+      <pc:docMkLst>
+        <pc:docMk/>
+      </pc:docMkLst>
+      <pc:sldChg chg="addSp delSp modSp mod">
+        <pc:chgData name="Lines, Todd" userId="afaf7c3a-e8aa-4568-882a-02ad8f9e19b0" providerId="ADAL" clId="{8C0966D9-4501-4321-948E-6C0235247E46}" dt="2024-03-07T22:42:47.058" v="32" actId="478"/>
+        <pc:sldMkLst>
+          <pc:docMk/>
+          <pc:sldMk cId="0" sldId="275"/>
+        </pc:sldMkLst>
+        <pc:spChg chg="mod">
+          <ac:chgData name="Lines, Todd" userId="afaf7c3a-e8aa-4568-882a-02ad8f9e19b0" providerId="ADAL" clId="{8C0966D9-4501-4321-948E-6C0235247E46}" dt="2024-03-07T22:41:32.840" v="15" actId="338"/>
+          <ac:spMkLst>
+            <pc:docMk/>
+            <pc:sldMk cId="0" sldId="275"/>
+            <ac:spMk id="3" creationId="{00000000-0000-0000-0000-000000000000}"/>
+          </ac:spMkLst>
+        </pc:spChg>
+        <pc:spChg chg="del mod topLvl">
+          <ac:chgData name="Lines, Todd" userId="afaf7c3a-e8aa-4568-882a-02ad8f9e19b0" providerId="ADAL" clId="{8C0966D9-4501-4321-948E-6C0235247E46}" dt="2024-03-07T22:42:47.058" v="32" actId="478"/>
+          <ac:spMkLst>
+            <pc:docMk/>
+            <pc:sldMk cId="0" sldId="275"/>
+            <ac:spMk id="6" creationId="{9C88AF99-8DB4-BF65-18AE-057CAE02B3D6}"/>
+          </ac:spMkLst>
+        </pc:spChg>
+        <pc:grpChg chg="mod">
+          <ac:chgData name="Lines, Todd" userId="afaf7c3a-e8aa-4568-882a-02ad8f9e19b0" providerId="ADAL" clId="{8C0966D9-4501-4321-948E-6C0235247E46}" dt="2024-03-07T22:41:32.840" v="15" actId="338"/>
+          <ac:grpSpMkLst>
+            <pc:docMk/>
+            <pc:sldMk cId="0" sldId="275"/>
+            <ac:grpSpMk id="1" creationId="{00000000-0000-0000-0000-000000000000}"/>
+          </ac:grpSpMkLst>
+        </pc:grpChg>
+        <pc:grpChg chg="del mod">
+          <ac:chgData name="Lines, Todd" userId="afaf7c3a-e8aa-4568-882a-02ad8f9e19b0" providerId="ADAL" clId="{8C0966D9-4501-4321-948E-6C0235247E46}" dt="2024-03-07T22:42:37.516" v="29" actId="165"/>
+          <ac:grpSpMkLst>
+            <pc:docMk/>
+            <pc:sldMk cId="0" sldId="275"/>
+            <ac:grpSpMk id="5" creationId="{127DE3DC-7E2B-D00F-1112-9267C2B1F23F}"/>
+          </ac:grpSpMkLst>
+        </pc:grpChg>
+        <pc:picChg chg="add mod modCrop">
+          <ac:chgData name="Lines, Todd" userId="afaf7c3a-e8aa-4568-882a-02ad8f9e19b0" providerId="ADAL" clId="{8C0966D9-4501-4321-948E-6C0235247E46}" dt="2024-03-07T22:42:20.202" v="26" actId="1076"/>
+          <ac:picMkLst>
+            <pc:docMk/>
+            <pc:sldMk cId="0" sldId="275"/>
+            <ac:picMk id="4" creationId="{8DB16B6D-F3A9-3911-9CD3-0588E29C3328}"/>
+          </ac:picMkLst>
+        </pc:picChg>
+        <pc:picChg chg="mod topLvl">
+          <ac:chgData name="Lines, Todd" userId="afaf7c3a-e8aa-4568-882a-02ad8f9e19b0" providerId="ADAL" clId="{8C0966D9-4501-4321-948E-6C0235247E46}" dt="2024-03-07T22:42:40.957" v="30" actId="1076"/>
+          <ac:picMkLst>
+            <pc:docMk/>
+            <pc:sldMk cId="0" sldId="275"/>
+            <ac:picMk id="1029" creationId="{07E17D90-BF11-0460-D6E5-3D88C2B9EF0A}"/>
+          </ac:picMkLst>
+        </pc:picChg>
+        <pc:picChg chg="del mod">
+          <ac:chgData name="Lines, Todd" userId="afaf7c3a-e8aa-4568-882a-02ad8f9e19b0" providerId="ADAL" clId="{8C0966D9-4501-4321-948E-6C0235247E46}" dt="2024-03-07T22:41:32.840" v="15" actId="338"/>
+          <ac:picMkLst>
+            <pc:docMk/>
+            <pc:sldMk cId="0" sldId="275"/>
+            <ac:picMk id="54274" creationId="{00000000-0000-0000-0000-000000000000}"/>
+          </ac:picMkLst>
+        </pc:picChg>
+      </pc:sldChg>
+      <pc:sldChg chg="addSp delSp modSp new mod modAnim">
+        <pc:chgData name="Lines, Todd" userId="afaf7c3a-e8aa-4568-882a-02ad8f9e19b0" providerId="ADAL" clId="{8C0966D9-4501-4321-948E-6C0235247E46}" dt="2024-03-07T22:52:17.082" v="41" actId="166"/>
+        <pc:sldMkLst>
+          <pc:docMk/>
+          <pc:sldMk cId="2787639344" sldId="1447"/>
+        </pc:sldMkLst>
+        <pc:spChg chg="del">
+          <ac:chgData name="Lines, Todd" userId="afaf7c3a-e8aa-4568-882a-02ad8f9e19b0" providerId="ADAL" clId="{8C0966D9-4501-4321-948E-6C0235247E46}" dt="2024-03-07T22:51:02.846" v="34"/>
+          <ac:spMkLst>
+            <pc:docMk/>
+            <pc:sldMk cId="2787639344" sldId="1447"/>
+            <ac:spMk id="3" creationId="{189AEB21-51B8-EE80-BCDB-78265D392AEE}"/>
+          </ac:spMkLst>
+        </pc:spChg>
+        <pc:spChg chg="add mod">
+          <ac:chgData name="Lines, Todd" userId="afaf7c3a-e8aa-4568-882a-02ad8f9e19b0" providerId="ADAL" clId="{8C0966D9-4501-4321-948E-6C0235247E46}" dt="2024-03-07T22:52:07.138" v="40" actId="207"/>
+          <ac:spMkLst>
+            <pc:docMk/>
+            <pc:sldMk cId="2787639344" sldId="1447"/>
+            <ac:spMk id="5" creationId="{B6BF6D4F-E231-E230-0B0D-32E1DC485DEC}"/>
+          </ac:spMkLst>
+        </pc:spChg>
+        <pc:picChg chg="add mod ord">
+          <ac:chgData name="Lines, Todd" userId="afaf7c3a-e8aa-4568-882a-02ad8f9e19b0" providerId="ADAL" clId="{8C0966D9-4501-4321-948E-6C0235247E46}" dt="2024-03-07T22:52:17.082" v="41" actId="166"/>
+          <ac:picMkLst>
+            <pc:docMk/>
+            <pc:sldMk cId="2787639344" sldId="1447"/>
+            <ac:picMk id="4" creationId="{516B4396-976C-BD64-DC59-C97D5F32AD93}"/>
+          </ac:picMkLst>
+        </pc:picChg>
+      </pc:sldChg>
+    </pc:docChg>
+  </pc:docChgLst>
   <pc:docChgLst>
     <pc:chgData name="Lines, Todd" userId="afaf7c3a-e8aa-4568-882a-02ad8f9e19b0" providerId="ADAL" clId="{18C51731-65D7-4D63-A13A-C35379499D4F}"/>
     <pc:docChg chg="undo custSel addSld delSld modSld sldOrd">
@@ -2652,7 +2756,7 @@
             <a:fld id="{FF63C9FC-D98D-450F-8666-DAE5A2C35D6D}" type="datetimeFigureOut">
               <a:rPr lang="en-US" smtClean="0"/>
               <a:pPr/>
-              <a:t>11/6/2023</a:t>
+              <a:t>3/7/2024</a:t>
             </a:fld>
             <a:endParaRPr lang="en-US"/>
           </a:p>
@@ -2817,7 +2921,7 @@
             <a:fld id="{FF63C9FC-D98D-450F-8666-DAE5A2C35D6D}" type="datetimeFigureOut">
               <a:rPr lang="en-US" smtClean="0"/>
               <a:pPr/>
-              <a:t>11/6/2023</a:t>
+              <a:t>3/7/2024</a:t>
             </a:fld>
             <a:endParaRPr lang="en-US"/>
           </a:p>
@@ -2992,7 +3096,7 @@
             <a:fld id="{FF63C9FC-D98D-450F-8666-DAE5A2C35D6D}" type="datetimeFigureOut">
               <a:rPr lang="en-US" smtClean="0"/>
               <a:pPr/>
-              <a:t>11/6/2023</a:t>
+              <a:t>3/7/2024</a:t>
             </a:fld>
             <a:endParaRPr lang="en-US"/>
           </a:p>
@@ -3157,7 +3261,7 @@
             <a:fld id="{FF63C9FC-D98D-450F-8666-DAE5A2C35D6D}" type="datetimeFigureOut">
               <a:rPr lang="en-US" smtClean="0"/>
               <a:pPr/>
-              <a:t>11/6/2023</a:t>
+              <a:t>3/7/2024</a:t>
             </a:fld>
             <a:endParaRPr lang="en-US"/>
           </a:p>
@@ -3399,7 +3503,7 @@
             <a:fld id="{FF63C9FC-D98D-450F-8666-DAE5A2C35D6D}" type="datetimeFigureOut">
               <a:rPr lang="en-US" smtClean="0"/>
               <a:pPr/>
-              <a:t>11/6/2023</a:t>
+              <a:t>3/7/2024</a:t>
             </a:fld>
             <a:endParaRPr lang="en-US"/>
           </a:p>
@@ -3681,7 +3785,7 @@
             <a:fld id="{FF63C9FC-D98D-450F-8666-DAE5A2C35D6D}" type="datetimeFigureOut">
               <a:rPr lang="en-US" smtClean="0"/>
               <a:pPr/>
-              <a:t>11/6/2023</a:t>
+              <a:t>3/7/2024</a:t>
             </a:fld>
             <a:endParaRPr lang="en-US"/>
           </a:p>
@@ -4097,7 +4201,7 @@
             <a:fld id="{FF63C9FC-D98D-450F-8666-DAE5A2C35D6D}" type="datetimeFigureOut">
               <a:rPr lang="en-US" smtClean="0"/>
               <a:pPr/>
-              <a:t>11/6/2023</a:t>
+              <a:t>3/7/2024</a:t>
             </a:fld>
             <a:endParaRPr lang="en-US"/>
           </a:p>
@@ -4211,7 +4315,7 @@
             <a:fld id="{FF63C9FC-D98D-450F-8666-DAE5A2C35D6D}" type="datetimeFigureOut">
               <a:rPr lang="en-US" smtClean="0"/>
               <a:pPr/>
-              <a:t>11/6/2023</a:t>
+              <a:t>3/7/2024</a:t>
             </a:fld>
             <a:endParaRPr lang="en-US"/>
           </a:p>
@@ -4303,7 +4407,7 @@
             <a:fld id="{FF63C9FC-D98D-450F-8666-DAE5A2C35D6D}" type="datetimeFigureOut">
               <a:rPr lang="en-US" smtClean="0"/>
               <a:pPr/>
-              <a:t>11/6/2023</a:t>
+              <a:t>3/7/2024</a:t>
             </a:fld>
             <a:endParaRPr lang="en-US"/>
           </a:p>
@@ -4575,7 +4679,7 @@
             <a:fld id="{FF63C9FC-D98D-450F-8666-DAE5A2C35D6D}" type="datetimeFigureOut">
               <a:rPr lang="en-US" smtClean="0"/>
               <a:pPr/>
-              <a:t>11/6/2023</a:t>
+              <a:t>3/7/2024</a:t>
             </a:fld>
             <a:endParaRPr lang="en-US"/>
           </a:p>
@@ -4824,7 +4928,7 @@
             <a:fld id="{FF63C9FC-D98D-450F-8666-DAE5A2C35D6D}" type="datetimeFigureOut">
               <a:rPr lang="en-US" smtClean="0"/>
               <a:pPr/>
-              <a:t>11/6/2023</a:t>
+              <a:t>3/7/2024</a:t>
             </a:fld>
             <a:endParaRPr lang="en-US"/>
           </a:p>
@@ -5032,7 +5136,7 @@
             <a:fld id="{FF63C9FC-D98D-450F-8666-DAE5A2C35D6D}" type="datetimeFigureOut">
               <a:rPr lang="en-US" smtClean="0"/>
               <a:pPr/>
-              <a:t>11/6/2023</a:t>
+              <a:t>3/7/2024</a:t>
             </a:fld>
             <a:endParaRPr lang="en-US"/>
           </a:p>
@@ -7251,39 +7355,6 @@
           <a:chExt cx="0" cy="0"/>
         </a:xfrm>
       </p:grpSpPr>
-      <p:pic>
-        <p:nvPicPr>
-          <p:cNvPr id="54274" name="Picture 2"/>
-          <p:cNvPicPr>
-            <a:picLocks noChangeAspect="1" noChangeArrowheads="1"/>
-          </p:cNvPicPr>
-          <p:nvPr/>
-        </p:nvPicPr>
-        <p:blipFill>
-          <a:blip r:embed="rId2" cstate="print"/>
-          <a:srcRect/>
-          <a:stretch>
-            <a:fillRect/>
-          </a:stretch>
-        </p:blipFill>
-        <p:spPr bwMode="auto">
-          <a:xfrm>
-            <a:off x="204788" y="1651000"/>
-            <a:ext cx="8734425" cy="3562350"/>
-          </a:xfrm>
-          <a:prstGeom prst="rect">
-            <a:avLst/>
-          </a:prstGeom>
-          <a:noFill/>
-          <a:ln w="9525">
-            <a:noFill/>
-            <a:miter lim="800000"/>
-            <a:headEnd/>
-            <a:tailEnd/>
-          </a:ln>
-          <a:effectLst/>
-        </p:spPr>
-      </p:pic>
       <p:sp>
         <p:nvSpPr>
           <p:cNvPr id="3" name="Rectangle 2"/>
@@ -7312,6 +7383,93 @@
           </a:p>
         </p:txBody>
       </p:sp>
+      <p:pic>
+        <p:nvPicPr>
+          <p:cNvPr id="4" name="Picture 3">
+            <a:extLst>
+              <a:ext uri="{FF2B5EF4-FFF2-40B4-BE49-F238E27FC236}">
+                <a16:creationId xmlns:a16="http://schemas.microsoft.com/office/drawing/2014/main" id="{8DB16B6D-F3A9-3911-9CD3-0588E29C3328}"/>
+              </a:ext>
+            </a:extLst>
+          </p:cNvPr>
+          <p:cNvPicPr>
+            <a:picLocks noChangeAspect="1"/>
+          </p:cNvPicPr>
+          <p:nvPr/>
+        </p:nvPicPr>
+        <p:blipFill rotWithShape="1">
+          <a:blip r:embed="rId2"/>
+          <a:srcRect l="18877" t="9857" r="19123"/>
+          <a:stretch/>
+        </p:blipFill>
+        <p:spPr>
+          <a:xfrm>
+            <a:off x="0" y="-12268"/>
+            <a:ext cx="8808398" cy="6870268"/>
+          </a:xfrm>
+          <a:prstGeom prst="rect">
+            <a:avLst/>
+          </a:prstGeom>
+        </p:spPr>
+      </p:pic>
+      <p:pic>
+        <p:nvPicPr>
+          <p:cNvPr id="1029" name="Picture 5">
+            <a:extLst>
+              <a:ext uri="{FF2B5EF4-FFF2-40B4-BE49-F238E27FC236}">
+                <a16:creationId xmlns:a16="http://schemas.microsoft.com/office/drawing/2014/main" id="{07E17D90-BF11-0460-D6E5-3D88C2B9EF0A}"/>
+              </a:ext>
+            </a:extLst>
+          </p:cNvPr>
+          <p:cNvPicPr>
+            <a:picLocks noChangeAspect="1" noChangeArrowheads="1"/>
+          </p:cNvPicPr>
+          <p:nvPr/>
+        </p:nvPicPr>
+        <p:blipFill rotWithShape="1">
+          <a:blip r:embed="rId3">
+            <a:extLst>
+              <a:ext uri="{28A0092B-C50C-407E-A947-70E740481C1C}">
+                <a14:useLocalDpi xmlns:a14="http://schemas.microsoft.com/office/drawing/2010/main" val="0"/>
+              </a:ext>
+            </a:extLst>
+          </a:blip>
+          <a:srcRect r="46397"/>
+          <a:stretch/>
+        </p:blipFill>
+        <p:spPr bwMode="auto">
+          <a:xfrm>
+            <a:off x="6491957" y="-12268"/>
+            <a:ext cx="2652043" cy="2014688"/>
+          </a:xfrm>
+          <a:prstGeom prst="rect">
+            <a:avLst/>
+          </a:prstGeom>
+          <a:noFill/>
+          <a:ln>
+            <a:noFill/>
+          </a:ln>
+          <a:extLst>
+            <a:ext uri="{909E8E84-426E-40DD-AFC4-6F175D3DCCD1}">
+              <a14:hiddenFill xmlns:a14="http://schemas.microsoft.com/office/drawing/2010/main">
+                <a:solidFill>
+                  <a:srgbClr val="FFFFFF"/>
+                </a:solidFill>
+              </a14:hiddenFill>
+            </a:ext>
+            <a:ext uri="{91240B29-F687-4F45-9708-019B960494DF}">
+              <a14:hiddenLine xmlns:a14="http://schemas.microsoft.com/office/drawing/2010/main" w="9525">
+                <a:solidFill>
+                  <a:srgbClr val="000000"/>
+                </a:solidFill>
+                <a:miter lim="800000"/>
+                <a:headEnd/>
+                <a:tailEnd/>
+              </a14:hiddenLine>
+            </a:ext>
+          </a:extLst>
+        </p:spPr>
+      </p:pic>
     </p:spTree>
   </p:cSld>
   <p:clrMapOvr>
@@ -17643,6 +17801,279 @@
           <a:chExt cx="0" cy="0"/>
         </a:xfrm>
       </p:grpSpPr>
+      <p:sp>
+        <p:nvSpPr>
+          <p:cNvPr id="2" name="Title 1">
+            <a:extLst>
+              <a:ext uri="{FF2B5EF4-FFF2-40B4-BE49-F238E27FC236}">
+                <a16:creationId xmlns:a16="http://schemas.microsoft.com/office/drawing/2014/main" id="{46FC387C-849E-CBDC-8D7C-56F93E88B42F}"/>
+              </a:ext>
+            </a:extLst>
+          </p:cNvPr>
+          <p:cNvSpPr>
+            <a:spLocks noGrp="1"/>
+          </p:cNvSpPr>
+          <p:nvPr>
+            <p:ph type="title"/>
+          </p:nvPr>
+        </p:nvSpPr>
+        <p:spPr/>
+        <p:txBody>
+          <a:bodyPr/>
+          <a:lstStyle/>
+          <a:p>
+            <a:endParaRPr lang="en-US"/>
+          </a:p>
+        </p:txBody>
+      </p:sp>
+      <p:sp>
+        <p:nvSpPr>
+          <p:cNvPr id="5" name="Rectangle 4">
+            <a:extLst>
+              <a:ext uri="{FF2B5EF4-FFF2-40B4-BE49-F238E27FC236}">
+                <a16:creationId xmlns:a16="http://schemas.microsoft.com/office/drawing/2014/main" id="{B6BF6D4F-E231-E230-0B0D-32E1DC485DEC}"/>
+              </a:ext>
+            </a:extLst>
+          </p:cNvPr>
+          <p:cNvSpPr/>
+          <p:nvPr/>
+        </p:nvSpPr>
+        <p:spPr>
+          <a:xfrm>
+            <a:off x="0" y="4889500"/>
+            <a:ext cx="9144000" cy="1968500"/>
+          </a:xfrm>
+          <a:prstGeom prst="rect">
+            <a:avLst/>
+          </a:prstGeom>
+          <a:solidFill>
+            <a:schemeClr val="tx1"/>
+          </a:solidFill>
+        </p:spPr>
+        <p:style>
+          <a:lnRef idx="2">
+            <a:schemeClr val="accent1">
+              <a:shade val="15000"/>
+            </a:schemeClr>
+          </a:lnRef>
+          <a:fillRef idx="1">
+            <a:schemeClr val="accent1"/>
+          </a:fillRef>
+          <a:effectRef idx="0">
+            <a:schemeClr val="accent1"/>
+          </a:effectRef>
+          <a:fontRef idx="minor">
+            <a:schemeClr val="lt1"/>
+          </a:fontRef>
+        </p:style>
+        <p:txBody>
+          <a:bodyPr rtlCol="0" anchor="ctr"/>
+          <a:lstStyle/>
+          <a:p>
+            <a:pPr algn="ctr"/>
+            <a:endParaRPr lang="en-US"/>
+          </a:p>
+        </p:txBody>
+      </p:sp>
+      <p:pic>
+        <p:nvPicPr>
+          <p:cNvPr id="4" name="Online Media 3" title="Static Discharge">
+            <a:hlinkClick r:id="" action="ppaction://media"/>
+            <a:extLst>
+              <a:ext uri="{FF2B5EF4-FFF2-40B4-BE49-F238E27FC236}">
+                <a16:creationId xmlns:a16="http://schemas.microsoft.com/office/drawing/2014/main" id="{516B4396-976C-BD64-DC59-C97D5F32AD93}"/>
+              </a:ext>
+            </a:extLst>
+          </p:cNvPr>
+          <p:cNvPicPr>
+            <a:picLocks noGrp="1" noRot="1" noChangeAspect="1"/>
+          </p:cNvPicPr>
+          <p:nvPr>
+            <p:ph idx="1"/>
+            <a:videoFile r:link="rId1"/>
+          </p:nvPr>
+        </p:nvPicPr>
+        <p:blipFill>
+          <a:blip r:embed="rId3"/>
+          <a:stretch>
+            <a:fillRect/>
+          </a:stretch>
+        </p:blipFill>
+        <p:spPr>
+          <a:xfrm>
+            <a:off x="0" y="0"/>
+            <a:ext cx="9200707" cy="5194300"/>
+          </a:xfrm>
+          <a:prstGeom prst="rect">
+            <a:avLst/>
+          </a:prstGeom>
+        </p:spPr>
+      </p:pic>
+    </p:spTree>
+    <p:extLst>
+      <p:ext uri="{BB962C8B-B14F-4D97-AF65-F5344CB8AC3E}">
+        <p14:creationId xmlns:p14="http://schemas.microsoft.com/office/powerpoint/2010/main" val="2787639344"/>
+      </p:ext>
+    </p:extLst>
+  </p:cSld>
+  <p:clrMapOvr>
+    <a:masterClrMapping/>
+  </p:clrMapOvr>
+  <p:timing>
+    <p:tnLst>
+      <p:par>
+        <p:cTn id="1" dur="indefinite" restart="never" nodeType="tmRoot">
+          <p:childTnLst>
+            <p:seq concurrent="1" nextAc="seek">
+              <p:cTn id="2" dur="indefinite" nodeType="mainSeq">
+                <p:childTnLst>
+                  <p:par>
+                    <p:cTn id="3" fill="hold">
+                      <p:stCondLst>
+                        <p:cond delay="indefinite"/>
+                      </p:stCondLst>
+                      <p:childTnLst>
+                        <p:par>
+                          <p:cTn id="4" fill="hold">
+                            <p:stCondLst>
+                              <p:cond delay="0"/>
+                            </p:stCondLst>
+                            <p:childTnLst>
+                              <p:par>
+                                <p:cTn id="5" presetID="1" presetClass="mediacall" presetSubtype="0" fill="hold" nodeType="clickEffect">
+                                  <p:stCondLst>
+                                    <p:cond delay="0"/>
+                                  </p:stCondLst>
+                                  <p:childTnLst>
+                                    <p:cmd type="call" cmd="playFrom(0.0)">
+                                      <p:cBhvr>
+                                        <p:cTn id="6" dur="1" fill="hold"/>
+                                        <p:tgtEl>
+                                          <p:spTgt spid="4"/>
+                                        </p:tgtEl>
+                                      </p:cBhvr>
+                                    </p:cmd>
+                                  </p:childTnLst>
+                                </p:cTn>
+                              </p:par>
+                            </p:childTnLst>
+                          </p:cTn>
+                        </p:par>
+                      </p:childTnLst>
+                    </p:cTn>
+                  </p:par>
+                </p:childTnLst>
+              </p:cTn>
+              <p:prevCondLst>
+                <p:cond evt="onPrev" delay="0">
+                  <p:tgtEl>
+                    <p:sldTgt/>
+                  </p:tgtEl>
+                </p:cond>
+              </p:prevCondLst>
+              <p:nextCondLst>
+                <p:cond evt="onNext" delay="0">
+                  <p:tgtEl>
+                    <p:sldTgt/>
+                  </p:tgtEl>
+                </p:cond>
+              </p:nextCondLst>
+            </p:seq>
+            <p:video>
+              <p:cMediaNode vol="80000">
+                <p:cTn id="7" fill="hold" display="0">
+                  <p:stCondLst>
+                    <p:cond delay="indefinite"/>
+                  </p:stCondLst>
+                </p:cTn>
+                <p:tgtEl>
+                  <p:spTgt spid="4"/>
+                </p:tgtEl>
+              </p:cMediaNode>
+            </p:video>
+            <p:seq concurrent="1" nextAc="seek">
+              <p:cTn id="8" restart="whenNotActive" fill="hold" evtFilter="cancelBubble" nodeType="interactiveSeq">
+                <p:stCondLst>
+                  <p:cond evt="onClick" delay="0">
+                    <p:tgtEl>
+                      <p:spTgt spid="4"/>
+                    </p:tgtEl>
+                  </p:cond>
+                </p:stCondLst>
+                <p:endSync evt="end" delay="0">
+                  <p:rtn val="all"/>
+                </p:endSync>
+                <p:childTnLst>
+                  <p:par>
+                    <p:cTn id="9" fill="hold">
+                      <p:stCondLst>
+                        <p:cond delay="0"/>
+                      </p:stCondLst>
+                      <p:childTnLst>
+                        <p:par>
+                          <p:cTn id="10" fill="hold">
+                            <p:stCondLst>
+                              <p:cond delay="0"/>
+                            </p:stCondLst>
+                            <p:childTnLst>
+                              <p:par>
+                                <p:cTn id="11" presetID="2" presetClass="mediacall" presetSubtype="0" fill="hold" nodeType="clickEffect">
+                                  <p:stCondLst>
+                                    <p:cond delay="0"/>
+                                  </p:stCondLst>
+                                  <p:childTnLst>
+                                    <p:cmd type="call" cmd="togglePause">
+                                      <p:cBhvr>
+                                        <p:cTn id="12" dur="1" fill="hold"/>
+                                        <p:tgtEl>
+                                          <p:spTgt spid="4"/>
+                                        </p:tgtEl>
+                                      </p:cBhvr>
+                                    </p:cmd>
+                                  </p:childTnLst>
+                                </p:cTn>
+                              </p:par>
+                            </p:childTnLst>
+                          </p:cTn>
+                        </p:par>
+                      </p:childTnLst>
+                    </p:cTn>
+                  </p:par>
+                </p:childTnLst>
+              </p:cTn>
+              <p:nextCondLst>
+                <p:cond evt="onClick" delay="0">
+                  <p:tgtEl>
+                    <p:spTgt spid="4"/>
+                  </p:tgtEl>
+                </p:cond>
+              </p:nextCondLst>
+            </p:seq>
+          </p:childTnLst>
+        </p:cTn>
+      </p:par>
+    </p:tnLst>
+  </p:timing>
+</p:sld>
+</file>
+
+<file path=ppt/slides/slide24.xml><?xml version="1.0" encoding="utf-8"?>
+<p:sld xmlns:a="http://schemas.openxmlformats.org/drawingml/2006/main" xmlns:r="http://schemas.openxmlformats.org/officeDocument/2006/relationships" xmlns:p="http://schemas.openxmlformats.org/presentationml/2006/main">
+  <p:cSld>
+    <p:spTree>
+      <p:nvGrpSpPr>
+        <p:cNvPr id="1" name=""/>
+        <p:cNvGrpSpPr/>
+        <p:nvPr/>
+      </p:nvGrpSpPr>
+      <p:grpSpPr>
+        <a:xfrm>
+          <a:off x="0" y="0"/>
+          <a:ext cx="0" cy="0"/>
+          <a:chOff x="0" y="0"/>
+          <a:chExt cx="0" cy="0"/>
+        </a:xfrm>
+      </p:grpSpPr>
       <p:grpSp>
         <p:nvGrpSpPr>
           <p:cNvPr id="14" name="Group 13"/>
